--- a/Lesson 2/TerminalAndGit.pptx
+++ b/Lesson 2/TerminalAndGit.pptx
@@ -5,7 +5,7 @@
     <p:sldMasterId id="2147483648" r:id="rId1"/>
   </p:sldMasterIdLst>
   <p:notesMasterIdLst>
-    <p:notesMasterId r:id="rId14"/>
+    <p:notesMasterId r:id="rId15"/>
   </p:notesMasterIdLst>
   <p:sldIdLst>
     <p:sldId id="267" r:id="rId2"/>
@@ -20,6 +20,7 @@
     <p:sldId id="262" r:id="rId11"/>
     <p:sldId id="263" r:id="rId12"/>
     <p:sldId id="266" r:id="rId13"/>
+    <p:sldId id="268" r:id="rId14"/>
   </p:sldIdLst>
   <p:sldSz cx="9144000" cy="6858000" type="screen4x3"/>
   <p:notesSz cx="6858000" cy="9144000"/>
@@ -474,6 +475,98 @@
 </file>
 
 <file path=ppt/notesSlides/notesSlide1.xml><?xml version="1.0" encoding="utf-8"?>
+<p:notes xmlns:a="http://schemas.openxmlformats.org/drawingml/2006/main" xmlns:r="http://schemas.openxmlformats.org/officeDocument/2006/relationships" xmlns:p="http://schemas.openxmlformats.org/presentationml/2006/main">
+  <p:cSld>
+    <p:spTree>
+      <p:nvGrpSpPr>
+        <p:cNvPr id="1" name=""/>
+        <p:cNvGrpSpPr/>
+        <p:nvPr/>
+      </p:nvGrpSpPr>
+      <p:grpSpPr>
+        <a:xfrm>
+          <a:off x="0" y="0"/>
+          <a:ext cx="0" cy="0"/>
+          <a:chOff x="0" y="0"/>
+          <a:chExt cx="0" cy="0"/>
+        </a:xfrm>
+      </p:grpSpPr>
+      <p:sp>
+        <p:nvSpPr>
+          <p:cNvPr id="2" name="Slide Image Placeholder 1"/>
+          <p:cNvSpPr>
+            <a:spLocks noGrp="1" noRot="1" noChangeAspect="1"/>
+          </p:cNvSpPr>
+          <p:nvPr>
+            <p:ph type="sldImg"/>
+          </p:nvPr>
+        </p:nvSpPr>
+        <p:spPr/>
+      </p:sp>
+      <p:sp>
+        <p:nvSpPr>
+          <p:cNvPr id="3" name="Notes Placeholder 2"/>
+          <p:cNvSpPr>
+            <a:spLocks noGrp="1"/>
+          </p:cNvSpPr>
+          <p:nvPr>
+            <p:ph type="body" idx="1"/>
+          </p:nvPr>
+        </p:nvSpPr>
+        <p:spPr/>
+        <p:txBody>
+          <a:bodyPr/>
+          <a:lstStyle/>
+          <a:p>
+            <a:r>
+              <a:rPr lang="en-US" dirty="0" smtClean="0"/>
+              <a:t>Write a simple HTML page w/ the class, this</a:t>
+            </a:r>
+            <a:r>
+              <a:rPr lang="en-US" baseline="0" dirty="0" smtClean="0"/>
+              <a:t> will be used for the basis of the CSS lesson</a:t>
+            </a:r>
+            <a:endParaRPr lang="en-US" dirty="0"/>
+          </a:p>
+        </p:txBody>
+      </p:sp>
+      <p:sp>
+        <p:nvSpPr>
+          <p:cNvPr id="4" name="Slide Number Placeholder 3"/>
+          <p:cNvSpPr>
+            <a:spLocks noGrp="1"/>
+          </p:cNvSpPr>
+          <p:nvPr>
+            <p:ph type="sldNum" sz="quarter" idx="10"/>
+          </p:nvPr>
+        </p:nvSpPr>
+        <p:spPr/>
+        <p:txBody>
+          <a:bodyPr/>
+          <a:lstStyle/>
+          <a:p>
+            <a:fld id="{0A5D513B-9619-934C-B216-78400907421E}" type="slidenum">
+              <a:rPr lang="es-ES_tradnl" smtClean="0"/>
+              <a:t>3</a:t>
+            </a:fld>
+            <a:endParaRPr lang="es-ES_tradnl"/>
+          </a:p>
+        </p:txBody>
+      </p:sp>
+    </p:spTree>
+    <p:extLst>
+      <p:ext uri="{BB962C8B-B14F-4D97-AF65-F5344CB8AC3E}">
+        <p14:creationId xmlns:p14="http://schemas.microsoft.com/office/powerpoint/2010/main" val="1299834050"/>
+      </p:ext>
+    </p:extLst>
+  </p:cSld>
+  <p:clrMapOvr>
+    <a:masterClrMapping/>
+  </p:clrMapOvr>
+</p:notes>
+</file>
+
+<file path=ppt/notesSlides/notesSlide2.xml><?xml version="1.0" encoding="utf-8"?>
 <p:notes xmlns:a="http://schemas.openxmlformats.org/drawingml/2006/main" xmlns:r="http://schemas.openxmlformats.org/officeDocument/2006/relationships" xmlns:p="http://schemas.openxmlformats.org/presentationml/2006/main">
   <p:cSld>
     <p:spTree>
@@ -4152,6 +4245,255 @@
 </p:sld>
 </file>
 
+<file path=ppt/slides/slide13.xml><?xml version="1.0" encoding="utf-8"?>
+<p:sld xmlns:a="http://schemas.openxmlformats.org/drawingml/2006/main" xmlns:r="http://schemas.openxmlformats.org/officeDocument/2006/relationships" xmlns:p="http://schemas.openxmlformats.org/presentationml/2006/main">
+  <p:cSld>
+    <p:spTree>
+      <p:nvGrpSpPr>
+        <p:cNvPr id="1" name=""/>
+        <p:cNvGrpSpPr/>
+        <p:nvPr/>
+      </p:nvGrpSpPr>
+      <p:grpSpPr>
+        <a:xfrm>
+          <a:off x="0" y="0"/>
+          <a:ext cx="0" cy="0"/>
+          <a:chOff x="0" y="0"/>
+          <a:chExt cx="0" cy="0"/>
+        </a:xfrm>
+      </p:grpSpPr>
+      <p:sp>
+        <p:nvSpPr>
+          <p:cNvPr id="2" name="Title 1"/>
+          <p:cNvSpPr>
+            <a:spLocks noGrp="1"/>
+          </p:cNvSpPr>
+          <p:nvPr>
+            <p:ph type="title"/>
+          </p:nvPr>
+        </p:nvSpPr>
+        <p:spPr/>
+        <p:txBody>
+          <a:bodyPr/>
+          <a:lstStyle/>
+          <a:p>
+            <a:r>
+              <a:rPr lang="en-US" dirty="0" smtClean="0"/>
+              <a:t>CSS Exercise</a:t>
+            </a:r>
+            <a:endParaRPr lang="en-US" dirty="0"/>
+          </a:p>
+        </p:txBody>
+      </p:sp>
+      <p:sp>
+        <p:nvSpPr>
+          <p:cNvPr id="3" name="Content Placeholder 2"/>
+          <p:cNvSpPr>
+            <a:spLocks noGrp="1"/>
+          </p:cNvSpPr>
+          <p:nvPr>
+            <p:ph idx="1"/>
+          </p:nvPr>
+        </p:nvSpPr>
+        <p:spPr/>
+        <p:txBody>
+          <a:bodyPr/>
+          <a:lstStyle/>
+          <a:p>
+            <a:pPr marL="0" indent="0">
+              <a:buNone/>
+            </a:pPr>
+            <a:r>
+              <a:rPr lang="en-US" dirty="0" smtClean="0"/>
+              <a:t>Style the Onion Article!</a:t>
+            </a:r>
+          </a:p>
+          <a:p>
+            <a:pPr marL="0" indent="0">
+              <a:buNone/>
+            </a:pPr>
+            <a:endParaRPr lang="en-US" dirty="0"/>
+          </a:p>
+        </p:txBody>
+      </p:sp>
+      <p:sp>
+        <p:nvSpPr>
+          <p:cNvPr id="4" name="TextBox 3"/>
+          <p:cNvSpPr txBox="1"/>
+          <p:nvPr/>
+        </p:nvSpPr>
+        <p:spPr>
+          <a:xfrm>
+            <a:off x="499138" y="2286001"/>
+            <a:ext cx="8187661" cy="3088025"/>
+          </a:xfrm>
+          <a:prstGeom prst="rect">
+            <a:avLst/>
+          </a:prstGeom>
+          <a:noFill/>
+        </p:spPr>
+        <p:txBody>
+          <a:bodyPr wrap="square" rtlCol="0">
+            <a:spAutoFit/>
+          </a:bodyPr>
+          <a:lstStyle/>
+          <a:p>
+            <a:pPr marL="342900" indent="-342900">
+              <a:lnSpc>
+                <a:spcPct val="140000"/>
+              </a:lnSpc>
+              <a:buFont typeface="+mj-lt"/>
+              <a:buAutoNum type="arabicPeriod"/>
+            </a:pPr>
+            <a:r>
+              <a:rPr lang="en-US" sz="2000" dirty="0"/>
+              <a:t>Make the main headline dark green.</a:t>
+            </a:r>
+          </a:p>
+          <a:p>
+            <a:pPr marL="342900" indent="-342900">
+              <a:lnSpc>
+                <a:spcPct val="140000"/>
+              </a:lnSpc>
+              <a:buFont typeface="+mj-lt"/>
+              <a:buAutoNum type="arabicPeriod"/>
+            </a:pPr>
+            <a:r>
+              <a:rPr lang="en-US" sz="2000" dirty="0"/>
+              <a:t>Use the font family "Georgia" for the main headline and the </a:t>
+            </a:r>
+            <a:r>
+              <a:rPr lang="en-US" sz="2000" dirty="0" err="1"/>
+              <a:t>subheadline</a:t>
+            </a:r>
+            <a:r>
+              <a:rPr lang="en-US" sz="2000" dirty="0"/>
+              <a:t>.</a:t>
+            </a:r>
+          </a:p>
+          <a:p>
+            <a:pPr marL="342900" indent="-342900">
+              <a:lnSpc>
+                <a:spcPct val="140000"/>
+              </a:lnSpc>
+              <a:buFont typeface="+mj-lt"/>
+              <a:buAutoNum type="arabicPeriod"/>
+            </a:pPr>
+            <a:r>
+              <a:rPr lang="en-US" sz="2000" dirty="0"/>
+              <a:t>Center the text of the main headline and the </a:t>
+            </a:r>
+            <a:r>
+              <a:rPr lang="en-US" sz="2000" dirty="0" err="1"/>
+              <a:t>subheadline</a:t>
+            </a:r>
+            <a:r>
+              <a:rPr lang="en-US" sz="2000" dirty="0"/>
+              <a:t>.</a:t>
+            </a:r>
+          </a:p>
+          <a:p>
+            <a:pPr marL="342900" indent="-342900">
+              <a:lnSpc>
+                <a:spcPct val="140000"/>
+              </a:lnSpc>
+              <a:buFont typeface="+mj-lt"/>
+              <a:buAutoNum type="arabicPeriod"/>
+            </a:pPr>
+            <a:r>
+              <a:rPr lang="en-US" sz="2000" dirty="0"/>
+              <a:t>Make the paragraphs have a line height of 19 pixels.</a:t>
+            </a:r>
+          </a:p>
+          <a:p>
+            <a:pPr marL="342900" indent="-342900">
+              <a:lnSpc>
+                <a:spcPct val="140000"/>
+              </a:lnSpc>
+              <a:buFont typeface="+mj-lt"/>
+              <a:buAutoNum type="arabicPeriod"/>
+            </a:pPr>
+            <a:r>
+              <a:rPr lang="en-US" sz="2000" dirty="0"/>
+              <a:t>Remove the underline from the links.</a:t>
+            </a:r>
+          </a:p>
+          <a:p>
+            <a:pPr marL="342900" indent="-342900">
+              <a:lnSpc>
+                <a:spcPct val="140000"/>
+              </a:lnSpc>
+              <a:buFont typeface="+mj-lt"/>
+              <a:buAutoNum type="arabicPeriod"/>
+            </a:pPr>
+            <a:r>
+              <a:rPr lang="en-US" sz="2000" dirty="0"/>
+              <a:t>Make the "You might also like" label all uppercase.</a:t>
+            </a:r>
+          </a:p>
+          <a:p>
+            <a:pPr marL="342900" indent="-342900">
+              <a:lnSpc>
+                <a:spcPct val="140000"/>
+              </a:lnSpc>
+              <a:buFont typeface="+mj-lt"/>
+              <a:buAutoNum type="arabicPeriod"/>
+            </a:pPr>
+            <a:r>
+              <a:rPr lang="en-US" sz="2000" b="1" dirty="0"/>
+              <a:t>Bonus</a:t>
+            </a:r>
+            <a:r>
+              <a:rPr lang="en-US" sz="2000" dirty="0"/>
+              <a:t>: Make an underline appear when you hover over a link.</a:t>
+            </a:r>
+            <a:endParaRPr lang="en-US" sz="2000" dirty="0"/>
+          </a:p>
+        </p:txBody>
+      </p:sp>
+      <p:pic>
+        <p:nvPicPr>
+          <p:cNvPr id="5" name="Picture 4" descr="download.jpeg"/>
+          <p:cNvPicPr>
+            <a:picLocks noChangeAspect="1"/>
+          </p:cNvPicPr>
+          <p:nvPr/>
+        </p:nvPicPr>
+        <p:blipFill>
+          <a:blip r:embed="rId2">
+            <a:extLst>
+              <a:ext uri="{28A0092B-C50C-407E-A947-70E740481C1C}">
+                <a14:useLocalDpi xmlns:a14="http://schemas.microsoft.com/office/drawing/2010/main" val="0"/>
+              </a:ext>
+            </a:extLst>
+          </a:blip>
+          <a:stretch>
+            <a:fillRect/>
+          </a:stretch>
+        </p:blipFill>
+        <p:spPr>
+          <a:xfrm>
+            <a:off x="6769099" y="458788"/>
+            <a:ext cx="1917700" cy="1917700"/>
+          </a:xfrm>
+          <a:prstGeom prst="rect">
+            <a:avLst/>
+          </a:prstGeom>
+        </p:spPr>
+      </p:pic>
+    </p:spTree>
+    <p:extLst>
+      <p:ext uri="{BB962C8B-B14F-4D97-AF65-F5344CB8AC3E}">
+        <p14:creationId xmlns:p14="http://schemas.microsoft.com/office/powerpoint/2010/main" val="2341143192"/>
+      </p:ext>
+    </p:extLst>
+  </p:cSld>
+  <p:clrMapOvr>
+    <a:masterClrMapping/>
+  </p:clrMapOvr>
+</p:sld>
+</file>
+
 <file path=ppt/slides/slide2.xml><?xml version="1.0" encoding="utf-8"?>
 <p:sld xmlns:a="http://schemas.openxmlformats.org/drawingml/2006/main" xmlns:r="http://schemas.openxmlformats.org/officeDocument/2006/relationships" xmlns:p="http://schemas.openxmlformats.org/presentationml/2006/main">
   <p:cSld>
@@ -4330,7 +4672,7 @@
           <p:nvPr/>
         </p:nvPicPr>
         <p:blipFill>
-          <a:blip r:embed="rId2"/>
+          <a:blip r:embed="rId3"/>
           <a:srcRect/>
           <a:stretch>
             <a:fillRect/>
